--- a/工作/RocketMQ社区分享-（消息重试、定时消息、批量消息）.pptx
+++ b/工作/RocketMQ社区分享-（消息重试、定时消息、批量消息）.pptx
@@ -5,23 +5,23 @@
     <p:sldMasterId id="2147483648" r:id="rId1"/>
   </p:sldMasterIdLst>
   <p:sldIdLst>
-    <p:sldId id="262" r:id="rId3"/>
-    <p:sldId id="263" r:id="rId4"/>
-    <p:sldId id="279" r:id="rId5"/>
-    <p:sldId id="259" r:id="rId6"/>
-    <p:sldId id="257" r:id="rId7"/>
-    <p:sldId id="260" r:id="rId8"/>
-    <p:sldId id="277" r:id="rId9"/>
-    <p:sldId id="271" r:id="rId10"/>
-    <p:sldId id="276" r:id="rId11"/>
-    <p:sldId id="281" r:id="rId12"/>
-    <p:sldId id="269" r:id="rId13"/>
-    <p:sldId id="258" r:id="rId14"/>
-    <p:sldId id="270" r:id="rId15"/>
-    <p:sldId id="280" r:id="rId16"/>
+    <p:sldId id="262" r:id="rId2"/>
+    <p:sldId id="263" r:id="rId3"/>
+    <p:sldId id="279" r:id="rId4"/>
+    <p:sldId id="259" r:id="rId5"/>
+    <p:sldId id="257" r:id="rId6"/>
+    <p:sldId id="260" r:id="rId7"/>
+    <p:sldId id="277" r:id="rId8"/>
+    <p:sldId id="271" r:id="rId9"/>
+    <p:sldId id="276" r:id="rId10"/>
+    <p:sldId id="281" r:id="rId11"/>
+    <p:sldId id="269" r:id="rId12"/>
+    <p:sldId id="258" r:id="rId13"/>
+    <p:sldId id="270" r:id="rId14"/>
+    <p:sldId id="280" r:id="rId15"/>
   </p:sldIdLst>
   <p:sldSz cx="12192000" cy="6858000"/>
-  <p:notesSz cx="7103745" cy="10234295"/>
+  <p:notesSz cx="7104063" cy="10234613"/>
   <p:defaultTextStyle>
     <a:defPPr>
       <a:defRPr lang="zh-CN"/>
@@ -258,6 +258,7 @@
           <a:p>
             <a:fld id="{59D9C70D-B7C8-466D-B87C-22D855EF72C6}" type="datetimeFigureOut">
               <a:rPr lang="zh-CN" altLang="en-US" smtClean="0"/>
+              <a:t>19/1/30</a:t>
             </a:fld>
             <a:endParaRPr lang="zh-CN" altLang="en-US"/>
           </a:p>
@@ -299,6 +300,7 @@
           <a:p>
             <a:fld id="{0F9045BA-9AC9-4435-A9A0-D822685BA71C}" type="slidenum">
               <a:rPr lang="zh-CN" altLang="en-US" smtClean="0"/>
+              <a:t>‹#›</a:t>
             </a:fld>
             <a:endParaRPr lang="zh-CN" altLang="en-US"/>
           </a:p>
@@ -309,13 +311,13 @@
   <p:clrMapOvr>
     <a:masterClrMapping/>
   </p:clrMapOvr>
-  <mc:AlternateContent xmlns:mc="http://schemas.openxmlformats.org/markup-compatibility/2006">
-    <mc:Choice xmlns:p14="http://schemas.microsoft.com/office/powerpoint/2010/main" Requires="p14">
+  <mc:AlternateContent xmlns:mc="http://schemas.openxmlformats.org/markup-compatibility/2006" xmlns:p14="http://schemas.microsoft.com/office/powerpoint/2010/main">
+    <mc:Choice Requires="p14">
       <p:transition p14:dur="250">
         <p:fade/>
       </p:transition>
     </mc:Choice>
-    <mc:Fallback>
+    <mc:Fallback xmlns="">
       <p:transition>
         <p:fade/>
       </p:transition>
@@ -370,7 +372,6 @@
               <a:rPr lang="zh-CN" altLang="en-US" smtClean="0"/>
               <a:t>单击此处编辑母版文本样式</a:t>
             </a:r>
-            <a:endParaRPr lang="zh-CN" altLang="en-US" smtClean="0"/>
           </a:p>
           <a:p>
             <a:pPr lvl="1"/>
@@ -378,7 +379,6 @@
               <a:rPr lang="zh-CN" altLang="en-US" smtClean="0"/>
               <a:t>第二级</a:t>
             </a:r>
-            <a:endParaRPr lang="zh-CN" altLang="en-US" smtClean="0"/>
           </a:p>
           <a:p>
             <a:pPr lvl="2"/>
@@ -386,7 +386,6 @@
               <a:rPr lang="zh-CN" altLang="en-US" smtClean="0"/>
               <a:t>第三级</a:t>
             </a:r>
-            <a:endParaRPr lang="zh-CN" altLang="en-US" smtClean="0"/>
           </a:p>
           <a:p>
             <a:pPr lvl="3"/>
@@ -394,7 +393,6 @@
               <a:rPr lang="zh-CN" altLang="en-US" smtClean="0"/>
               <a:t>第四级</a:t>
             </a:r>
-            <a:endParaRPr lang="zh-CN" altLang="en-US" smtClean="0"/>
           </a:p>
           <a:p>
             <a:pPr lvl="4"/>
@@ -423,6 +421,7 @@
           <a:p>
             <a:fld id="{59D9C70D-B7C8-466D-B87C-22D855EF72C6}" type="datetimeFigureOut">
               <a:rPr lang="zh-CN" altLang="en-US" smtClean="0"/>
+              <a:t>19/1/30</a:t>
             </a:fld>
             <a:endParaRPr lang="zh-CN" altLang="en-US"/>
           </a:p>
@@ -464,6 +463,7 @@
           <a:p>
             <a:fld id="{0F9045BA-9AC9-4435-A9A0-D822685BA71C}" type="slidenum">
               <a:rPr lang="zh-CN" altLang="en-US" smtClean="0"/>
+              <a:t>‹#›</a:t>
             </a:fld>
             <a:endParaRPr lang="zh-CN" altLang="en-US"/>
           </a:p>
@@ -474,13 +474,13 @@
   <p:clrMapOvr>
     <a:masterClrMapping/>
   </p:clrMapOvr>
-  <mc:AlternateContent xmlns:mc="http://schemas.openxmlformats.org/markup-compatibility/2006">
-    <mc:Choice xmlns:p14="http://schemas.microsoft.com/office/powerpoint/2010/main" Requires="p14">
+  <mc:AlternateContent xmlns:mc="http://schemas.openxmlformats.org/markup-compatibility/2006" xmlns:p14="http://schemas.microsoft.com/office/powerpoint/2010/main">
+    <mc:Choice Requires="p14">
       <p:transition p14:dur="250">
         <p:fade/>
       </p:transition>
     </mc:Choice>
-    <mc:Fallback>
+    <mc:Fallback xmlns="">
       <p:transition>
         <p:fade/>
       </p:transition>
@@ -523,6 +523,7 @@
           <a:p>
             <a:fld id="{59D9C70D-B7C8-466D-B87C-22D855EF72C6}" type="datetimeFigureOut">
               <a:rPr lang="zh-CN" altLang="en-US" smtClean="0"/>
+              <a:t>19/1/30</a:t>
             </a:fld>
             <a:endParaRPr lang="zh-CN" altLang="en-US"/>
           </a:p>
@@ -564,6 +565,7 @@
           <a:p>
             <a:fld id="{0F9045BA-9AC9-4435-A9A0-D822685BA71C}" type="slidenum">
               <a:rPr lang="zh-CN" altLang="en-US" smtClean="0"/>
+              <a:t>‹#›</a:t>
             </a:fld>
             <a:endParaRPr lang="zh-CN" altLang="en-US"/>
           </a:p>
@@ -574,13 +576,13 @@
   <p:clrMapOvr>
     <a:masterClrMapping/>
   </p:clrMapOvr>
-  <mc:AlternateContent xmlns:mc="http://schemas.openxmlformats.org/markup-compatibility/2006">
-    <mc:Choice xmlns:p14="http://schemas.microsoft.com/office/powerpoint/2010/main" Requires="p14">
+  <mc:AlternateContent xmlns:mc="http://schemas.openxmlformats.org/markup-compatibility/2006" xmlns:p14="http://schemas.microsoft.com/office/powerpoint/2010/main">
+    <mc:Choice Requires="p14">
       <p:transition p14:dur="250">
         <p:fade/>
       </p:transition>
     </mc:Choice>
-    <mc:Fallback>
+    <mc:Fallback xmlns="">
       <p:transition>
         <p:fade/>
       </p:transition>
@@ -663,7 +665,6 @@
               <a:rPr lang="zh-CN" altLang="en-US" smtClean="0"/>
               <a:t>单击此处编辑母版文本样式</a:t>
             </a:r>
-            <a:endParaRPr lang="zh-CN" altLang="en-US" smtClean="0"/>
           </a:p>
           <a:p>
             <a:pPr lvl="1"/>
@@ -671,7 +672,6 @@
               <a:rPr lang="zh-CN" altLang="en-US" smtClean="0"/>
               <a:t>第二级</a:t>
             </a:r>
-            <a:endParaRPr lang="zh-CN" altLang="en-US" smtClean="0"/>
           </a:p>
           <a:p>
             <a:pPr lvl="2"/>
@@ -679,7 +679,6 @@
               <a:rPr lang="zh-CN" altLang="en-US" smtClean="0"/>
               <a:t>第三级</a:t>
             </a:r>
-            <a:endParaRPr lang="zh-CN" altLang="en-US" smtClean="0"/>
           </a:p>
           <a:p>
             <a:pPr lvl="3"/>
@@ -687,7 +686,6 @@
               <a:rPr lang="zh-CN" altLang="en-US" smtClean="0"/>
               <a:t>第四级</a:t>
             </a:r>
-            <a:endParaRPr lang="zh-CN" altLang="en-US" smtClean="0"/>
           </a:p>
           <a:p>
             <a:pPr lvl="4"/>
@@ -716,6 +714,7 @@
           <a:p>
             <a:fld id="{59D9C70D-B7C8-466D-B87C-22D855EF72C6}" type="datetimeFigureOut">
               <a:rPr lang="zh-CN" altLang="en-US" smtClean="0"/>
+              <a:t>19/1/30</a:t>
             </a:fld>
             <a:endParaRPr lang="zh-CN" altLang="en-US"/>
           </a:p>
@@ -757,6 +756,7 @@
           <a:p>
             <a:fld id="{0F9045BA-9AC9-4435-A9A0-D822685BA71C}" type="slidenum">
               <a:rPr lang="zh-CN" altLang="en-US" smtClean="0"/>
+              <a:t>‹#›</a:t>
             </a:fld>
             <a:endParaRPr lang="zh-CN" altLang="en-US"/>
           </a:p>
@@ -767,13 +767,13 @@
   <p:clrMapOvr>
     <a:masterClrMapping/>
   </p:clrMapOvr>
-  <mc:AlternateContent xmlns:mc="http://schemas.openxmlformats.org/markup-compatibility/2006">
-    <mc:Choice xmlns:p14="http://schemas.microsoft.com/office/powerpoint/2010/main" Requires="p14">
+  <mc:AlternateContent xmlns:mc="http://schemas.openxmlformats.org/markup-compatibility/2006" xmlns:p14="http://schemas.microsoft.com/office/powerpoint/2010/main">
+    <mc:Choice Requires="p14">
       <p:transition p14:dur="250">
         <p:fade/>
       </p:transition>
     </mc:Choice>
-    <mc:Fallback>
+    <mc:Fallback xmlns="">
       <p:transition>
         <p:fade/>
       </p:transition>
@@ -948,7 +948,6 @@
               <a:rPr lang="zh-CN" altLang="en-US" smtClean="0"/>
               <a:t>单击此处编辑母版文本样式</a:t>
             </a:r>
-            <a:endParaRPr lang="zh-CN" altLang="en-US" smtClean="0"/>
           </a:p>
         </p:txBody>
       </p:sp>
@@ -969,6 +968,7 @@
           <a:p>
             <a:fld id="{59D9C70D-B7C8-466D-B87C-22D855EF72C6}" type="datetimeFigureOut">
               <a:rPr lang="zh-CN" altLang="en-US" smtClean="0"/>
+              <a:t>19/1/30</a:t>
             </a:fld>
             <a:endParaRPr lang="zh-CN" altLang="en-US"/>
           </a:p>
@@ -1010,6 +1010,7 @@
           <a:p>
             <a:fld id="{0F9045BA-9AC9-4435-A9A0-D822685BA71C}" type="slidenum">
               <a:rPr lang="zh-CN" altLang="en-US" smtClean="0"/>
+              <a:t>‹#›</a:t>
             </a:fld>
             <a:endParaRPr lang="zh-CN" altLang="en-US"/>
           </a:p>
@@ -1020,13 +1021,13 @@
   <p:clrMapOvr>
     <a:masterClrMapping/>
   </p:clrMapOvr>
-  <mc:AlternateContent xmlns:mc="http://schemas.openxmlformats.org/markup-compatibility/2006">
-    <mc:Choice xmlns:p14="http://schemas.microsoft.com/office/powerpoint/2010/main" Requires="p14">
+  <mc:AlternateContent xmlns:mc="http://schemas.openxmlformats.org/markup-compatibility/2006" xmlns:p14="http://schemas.microsoft.com/office/powerpoint/2010/main">
+    <mc:Choice Requires="p14">
       <p:transition p14:dur="250">
         <p:fade/>
       </p:transition>
     </mc:Choice>
-    <mc:Fallback>
+    <mc:Fallback xmlns="">
       <p:transition>
         <p:fade/>
       </p:transition>
@@ -1104,7 +1105,6 @@
               <a:rPr lang="zh-CN" altLang="en-US" smtClean="0"/>
               <a:t>单击此处编辑母版文本样式</a:t>
             </a:r>
-            <a:endParaRPr lang="zh-CN" altLang="en-US" smtClean="0"/>
           </a:p>
           <a:p>
             <a:pPr lvl="1"/>
@@ -1112,7 +1112,6 @@
               <a:rPr lang="zh-CN" altLang="en-US" smtClean="0"/>
               <a:t>第二级</a:t>
             </a:r>
-            <a:endParaRPr lang="zh-CN" altLang="en-US" smtClean="0"/>
           </a:p>
           <a:p>
             <a:pPr lvl="2"/>
@@ -1120,7 +1119,6 @@
               <a:rPr lang="zh-CN" altLang="en-US" smtClean="0"/>
               <a:t>第三级</a:t>
             </a:r>
-            <a:endParaRPr lang="zh-CN" altLang="en-US" smtClean="0"/>
           </a:p>
           <a:p>
             <a:pPr lvl="3"/>
@@ -1128,7 +1126,6 @@
               <a:rPr lang="zh-CN" altLang="en-US" smtClean="0"/>
               <a:t>第四级</a:t>
             </a:r>
-            <a:endParaRPr lang="zh-CN" altLang="en-US" smtClean="0"/>
           </a:p>
           <a:p>
             <a:pPr lvl="4"/>
@@ -1165,7 +1162,6 @@
               <a:rPr lang="zh-CN" altLang="en-US" smtClean="0"/>
               <a:t>单击此处编辑母版文本样式</a:t>
             </a:r>
-            <a:endParaRPr lang="zh-CN" altLang="en-US" smtClean="0"/>
           </a:p>
           <a:p>
             <a:pPr lvl="1"/>
@@ -1173,7 +1169,6 @@
               <a:rPr lang="zh-CN" altLang="en-US" smtClean="0"/>
               <a:t>第二级</a:t>
             </a:r>
-            <a:endParaRPr lang="zh-CN" altLang="en-US" smtClean="0"/>
           </a:p>
           <a:p>
             <a:pPr lvl="2"/>
@@ -1181,7 +1176,6 @@
               <a:rPr lang="zh-CN" altLang="en-US" smtClean="0"/>
               <a:t>第三级</a:t>
             </a:r>
-            <a:endParaRPr lang="zh-CN" altLang="en-US" smtClean="0"/>
           </a:p>
           <a:p>
             <a:pPr lvl="3"/>
@@ -1189,7 +1183,6 @@
               <a:rPr lang="zh-CN" altLang="en-US" smtClean="0"/>
               <a:t>第四级</a:t>
             </a:r>
-            <a:endParaRPr lang="zh-CN" altLang="en-US" smtClean="0"/>
           </a:p>
           <a:p>
             <a:pPr lvl="4"/>
@@ -1218,6 +1211,7 @@
           <a:p>
             <a:fld id="{59D9C70D-B7C8-466D-B87C-22D855EF72C6}" type="datetimeFigureOut">
               <a:rPr lang="zh-CN" altLang="en-US" smtClean="0"/>
+              <a:t>19/1/30</a:t>
             </a:fld>
             <a:endParaRPr lang="zh-CN" altLang="en-US"/>
           </a:p>
@@ -1259,6 +1253,7 @@
           <a:p>
             <a:fld id="{0F9045BA-9AC9-4435-A9A0-D822685BA71C}" type="slidenum">
               <a:rPr lang="zh-CN" altLang="en-US" smtClean="0"/>
+              <a:t>‹#›</a:t>
             </a:fld>
             <a:endParaRPr lang="zh-CN" altLang="en-US"/>
           </a:p>
@@ -1269,13 +1264,13 @@
   <p:clrMapOvr>
     <a:masterClrMapping/>
   </p:clrMapOvr>
-  <mc:AlternateContent xmlns:mc="http://schemas.openxmlformats.org/markup-compatibility/2006">
-    <mc:Choice xmlns:p14="http://schemas.microsoft.com/office/powerpoint/2010/main" Requires="p14">
+  <mc:AlternateContent xmlns:mc="http://schemas.openxmlformats.org/markup-compatibility/2006" xmlns:p14="http://schemas.microsoft.com/office/powerpoint/2010/main">
+    <mc:Choice Requires="p14">
       <p:transition p14:dur="250">
         <p:fade/>
       </p:transition>
     </mc:Choice>
-    <mc:Fallback>
+    <mc:Fallback xmlns="">
       <p:transition>
         <p:fade/>
       </p:transition>
@@ -1399,7 +1394,6 @@
               <a:rPr lang="zh-CN" altLang="en-US" smtClean="0"/>
               <a:t>单击此处编辑母版文本样式</a:t>
             </a:r>
-            <a:endParaRPr lang="zh-CN" altLang="en-US" smtClean="0"/>
           </a:p>
         </p:txBody>
       </p:sp>
@@ -1432,7 +1426,6 @@
               <a:rPr lang="zh-CN" altLang="en-US" smtClean="0"/>
               <a:t>单击此处编辑母版文本样式</a:t>
             </a:r>
-            <a:endParaRPr lang="zh-CN" altLang="en-US" smtClean="0"/>
           </a:p>
           <a:p>
             <a:pPr lvl="1"/>
@@ -1440,7 +1433,6 @@
               <a:rPr lang="zh-CN" altLang="en-US" smtClean="0"/>
               <a:t>第二级</a:t>
             </a:r>
-            <a:endParaRPr lang="zh-CN" altLang="en-US" smtClean="0"/>
           </a:p>
           <a:p>
             <a:pPr lvl="2"/>
@@ -1448,7 +1440,6 @@
               <a:rPr lang="zh-CN" altLang="en-US" smtClean="0"/>
               <a:t>第三级</a:t>
             </a:r>
-            <a:endParaRPr lang="zh-CN" altLang="en-US" smtClean="0"/>
           </a:p>
           <a:p>
             <a:pPr lvl="3"/>
@@ -1456,7 +1447,6 @@
               <a:rPr lang="zh-CN" altLang="en-US" smtClean="0"/>
               <a:t>第四级</a:t>
             </a:r>
-            <a:endParaRPr lang="zh-CN" altLang="en-US" smtClean="0"/>
           </a:p>
           <a:p>
             <a:pPr lvl="4"/>
@@ -1534,7 +1524,6 @@
               <a:rPr lang="zh-CN" altLang="en-US" smtClean="0"/>
               <a:t>单击此处编辑母版文本样式</a:t>
             </a:r>
-            <a:endParaRPr lang="zh-CN" altLang="en-US" smtClean="0"/>
           </a:p>
         </p:txBody>
       </p:sp>
@@ -1567,7 +1556,6 @@
               <a:rPr lang="zh-CN" altLang="en-US" smtClean="0"/>
               <a:t>单击此处编辑母版文本样式</a:t>
             </a:r>
-            <a:endParaRPr lang="zh-CN" altLang="en-US" smtClean="0"/>
           </a:p>
           <a:p>
             <a:pPr lvl="1"/>
@@ -1575,7 +1563,6 @@
               <a:rPr lang="zh-CN" altLang="en-US" smtClean="0"/>
               <a:t>第二级</a:t>
             </a:r>
-            <a:endParaRPr lang="zh-CN" altLang="en-US" smtClean="0"/>
           </a:p>
           <a:p>
             <a:pPr lvl="2"/>
@@ -1583,7 +1570,6 @@
               <a:rPr lang="zh-CN" altLang="en-US" smtClean="0"/>
               <a:t>第三级</a:t>
             </a:r>
-            <a:endParaRPr lang="zh-CN" altLang="en-US" smtClean="0"/>
           </a:p>
           <a:p>
             <a:pPr lvl="3"/>
@@ -1591,7 +1577,6 @@
               <a:rPr lang="zh-CN" altLang="en-US" smtClean="0"/>
               <a:t>第四级</a:t>
             </a:r>
-            <a:endParaRPr lang="zh-CN" altLang="en-US" smtClean="0"/>
           </a:p>
           <a:p>
             <a:pPr lvl="4"/>
@@ -1620,6 +1605,7 @@
           <a:p>
             <a:fld id="{59D9C70D-B7C8-466D-B87C-22D855EF72C6}" type="datetimeFigureOut">
               <a:rPr lang="zh-CN" altLang="en-US" smtClean="0"/>
+              <a:t>19/1/30</a:t>
             </a:fld>
             <a:endParaRPr lang="zh-CN" altLang="en-US"/>
           </a:p>
@@ -1661,6 +1647,7 @@
           <a:p>
             <a:fld id="{0F9045BA-9AC9-4435-A9A0-D822685BA71C}" type="slidenum">
               <a:rPr lang="zh-CN" altLang="en-US" smtClean="0"/>
+              <a:t>‹#›</a:t>
             </a:fld>
             <a:endParaRPr lang="zh-CN" altLang="en-US"/>
           </a:p>
@@ -1671,13 +1658,13 @@
   <p:clrMapOvr>
     <a:masterClrMapping/>
   </p:clrMapOvr>
-  <mc:AlternateContent xmlns:mc="http://schemas.openxmlformats.org/markup-compatibility/2006">
-    <mc:Choice xmlns:p14="http://schemas.microsoft.com/office/powerpoint/2010/main" Requires="p14">
+  <mc:AlternateContent xmlns:mc="http://schemas.openxmlformats.org/markup-compatibility/2006" xmlns:p14="http://schemas.microsoft.com/office/powerpoint/2010/main">
+    <mc:Choice Requires="p14">
       <p:transition p14:dur="250">
         <p:fade/>
       </p:transition>
     </mc:Choice>
-    <mc:Fallback>
+    <mc:Fallback xmlns="">
       <p:transition>
         <p:fade/>
       </p:transition>
@@ -1748,6 +1735,7 @@
           <a:p>
             <a:fld id="{59D9C70D-B7C8-466D-B87C-22D855EF72C6}" type="datetimeFigureOut">
               <a:rPr lang="zh-CN" altLang="en-US" smtClean="0"/>
+              <a:t>19/1/30</a:t>
             </a:fld>
             <a:endParaRPr lang="zh-CN" altLang="en-US"/>
           </a:p>
@@ -1789,6 +1777,7 @@
           <a:p>
             <a:fld id="{0F9045BA-9AC9-4435-A9A0-D822685BA71C}" type="slidenum">
               <a:rPr lang="zh-CN" altLang="en-US" smtClean="0"/>
+              <a:t>‹#›</a:t>
             </a:fld>
             <a:endParaRPr lang="zh-CN" altLang="en-US"/>
           </a:p>
@@ -1799,13 +1788,13 @@
   <p:clrMapOvr>
     <a:masterClrMapping/>
   </p:clrMapOvr>
-  <mc:AlternateContent xmlns:mc="http://schemas.openxmlformats.org/markup-compatibility/2006">
-    <mc:Choice xmlns:p14="http://schemas.microsoft.com/office/powerpoint/2010/main" Requires="p14">
+  <mc:AlternateContent xmlns:mc="http://schemas.openxmlformats.org/markup-compatibility/2006" xmlns:p14="http://schemas.microsoft.com/office/powerpoint/2010/main">
+    <mc:Choice Requires="p14">
       <p:transition p14:dur="250">
         <p:fade/>
       </p:transition>
     </mc:Choice>
-    <mc:Fallback>
+    <mc:Fallback xmlns="">
       <p:transition>
         <p:fade/>
       </p:transition>
@@ -1998,7 +1987,6 @@
               <a:rPr lang="zh-CN" altLang="en-US" smtClean="0"/>
               <a:t>单击此处编辑母版文本样式</a:t>
             </a:r>
-            <a:endParaRPr lang="zh-CN" altLang="en-US" smtClean="0"/>
           </a:p>
         </p:txBody>
       </p:sp>
@@ -2019,6 +2007,7 @@
           <a:p>
             <a:fld id="{59D9C70D-B7C8-466D-B87C-22D855EF72C6}" type="datetimeFigureOut">
               <a:rPr lang="zh-CN" altLang="en-US" smtClean="0"/>
+              <a:t>19/1/30</a:t>
             </a:fld>
             <a:endParaRPr lang="zh-CN" altLang="en-US"/>
           </a:p>
@@ -2060,6 +2049,7 @@
           <a:p>
             <a:fld id="{0F9045BA-9AC9-4435-A9A0-D822685BA71C}" type="slidenum">
               <a:rPr lang="zh-CN" altLang="en-US" smtClean="0"/>
+              <a:t>‹#›</a:t>
             </a:fld>
             <a:endParaRPr lang="zh-CN" altLang="en-US"/>
           </a:p>
@@ -2070,13 +2060,13 @@
   <p:clrMapOvr>
     <a:masterClrMapping/>
   </p:clrMapOvr>
-  <mc:AlternateContent xmlns:mc="http://schemas.openxmlformats.org/markup-compatibility/2006">
-    <mc:Choice xmlns:p14="http://schemas.microsoft.com/office/powerpoint/2010/main" Requires="p14">
+  <mc:AlternateContent xmlns:mc="http://schemas.openxmlformats.org/markup-compatibility/2006" xmlns:p14="http://schemas.microsoft.com/office/powerpoint/2010/main">
+    <mc:Choice Requires="p14">
       <p:transition p14:dur="250">
         <p:fade/>
       </p:transition>
     </mc:Choice>
-    <mc:Fallback>
+    <mc:Fallback xmlns="">
       <p:transition>
         <p:fade/>
       </p:transition>
@@ -2269,7 +2259,6 @@
               <a:rPr lang="zh-CN" altLang="en-US" smtClean="0"/>
               <a:t>单击此处编辑母版文本样式</a:t>
             </a:r>
-            <a:endParaRPr lang="zh-CN" altLang="en-US" smtClean="0"/>
           </a:p>
         </p:txBody>
       </p:sp>
@@ -2290,6 +2279,7 @@
           <a:p>
             <a:fld id="{59D9C70D-B7C8-466D-B87C-22D855EF72C6}" type="datetimeFigureOut">
               <a:rPr lang="zh-CN" altLang="en-US" smtClean="0"/>
+              <a:t>19/1/30</a:t>
             </a:fld>
             <a:endParaRPr lang="zh-CN" altLang="en-US"/>
           </a:p>
@@ -2331,6 +2321,7 @@
           <a:p>
             <a:fld id="{0F9045BA-9AC9-4435-A9A0-D822685BA71C}" type="slidenum">
               <a:rPr lang="zh-CN" altLang="en-US" smtClean="0"/>
+              <a:t>‹#›</a:t>
             </a:fld>
             <a:endParaRPr lang="zh-CN" altLang="en-US"/>
           </a:p>
@@ -2341,13 +2332,13 @@
   <p:clrMapOvr>
     <a:masterClrMapping/>
   </p:clrMapOvr>
-  <mc:AlternateContent xmlns:mc="http://schemas.openxmlformats.org/markup-compatibility/2006">
-    <mc:Choice xmlns:p14="http://schemas.microsoft.com/office/powerpoint/2010/main" Requires="p14">
+  <mc:AlternateContent xmlns:mc="http://schemas.openxmlformats.org/markup-compatibility/2006" xmlns:p14="http://schemas.microsoft.com/office/powerpoint/2010/main">
+    <mc:Choice Requires="p14">
       <p:transition p14:dur="250">
         <p:fade/>
       </p:transition>
     </mc:Choice>
-    <mc:Fallback>
+    <mc:Fallback xmlns="">
       <p:transition>
         <p:fade/>
       </p:transition>
@@ -2390,6 +2381,7 @@
           <a:p>
             <a:fld id="{59D9C70D-B7C8-466D-B87C-22D855EF72C6}" type="datetimeFigureOut">
               <a:rPr lang="zh-CN" altLang="en-US" smtClean="0"/>
+              <a:t>19/1/30</a:t>
             </a:fld>
             <a:endParaRPr lang="zh-CN" altLang="en-US"/>
           </a:p>
@@ -2431,6 +2423,7 @@
           <a:p>
             <a:fld id="{0F9045BA-9AC9-4435-A9A0-D822685BA71C}" type="slidenum">
               <a:rPr lang="zh-CN" altLang="en-US" smtClean="0"/>
+              <a:t>‹#›</a:t>
             </a:fld>
             <a:endParaRPr lang="zh-CN" altLang="en-US"/>
           </a:p>
@@ -2454,6 +2447,7 @@
         </p:spPr>
         <p:txBody>
           <a:bodyPr vert="eaVert"/>
+          <a:lstStyle/>
           <a:p>
             <a:r>
               <a:rPr lang="zh-CN" altLang="en-US" smtClean="0"/>
@@ -2481,13 +2475,13 @@
         </p:spPr>
         <p:txBody>
           <a:bodyPr vert="eaVert"/>
+          <a:lstStyle/>
           <a:p>
             <a:pPr lvl="0"/>
             <a:r>
               <a:rPr lang="zh-CN" altLang="en-US" smtClean="0"/>
               <a:t>单击此处编辑母版文本样式</a:t>
             </a:r>
-            <a:endParaRPr lang="zh-CN" altLang="en-US" smtClean="0"/>
           </a:p>
           <a:p>
             <a:pPr lvl="1"/>
@@ -2495,7 +2489,6 @@
               <a:rPr lang="zh-CN" altLang="en-US" smtClean="0"/>
               <a:t>第二级</a:t>
             </a:r>
-            <a:endParaRPr lang="zh-CN" altLang="en-US" smtClean="0"/>
           </a:p>
           <a:p>
             <a:pPr lvl="2"/>
@@ -2503,7 +2496,6 @@
               <a:rPr lang="zh-CN" altLang="en-US" smtClean="0"/>
               <a:t>第三级</a:t>
             </a:r>
-            <a:endParaRPr lang="zh-CN" altLang="en-US" smtClean="0"/>
           </a:p>
           <a:p>
             <a:pPr lvl="3"/>
@@ -2511,7 +2503,6 @@
               <a:rPr lang="zh-CN" altLang="en-US" smtClean="0"/>
               <a:t>第四级</a:t>
             </a:r>
-            <a:endParaRPr lang="zh-CN" altLang="en-US" smtClean="0"/>
           </a:p>
           <a:p>
             <a:pPr lvl="4"/>
@@ -2528,13 +2519,13 @@
   <p:clrMapOvr>
     <a:masterClrMapping/>
   </p:clrMapOvr>
-  <mc:AlternateContent xmlns:mc="http://schemas.openxmlformats.org/markup-compatibility/2006">
-    <mc:Choice xmlns:p14="http://schemas.microsoft.com/office/powerpoint/2010/main" Requires="p14">
+  <mc:AlternateContent xmlns:mc="http://schemas.openxmlformats.org/markup-compatibility/2006" xmlns:p14="http://schemas.microsoft.com/office/powerpoint/2010/main">
+    <mc:Choice Requires="p14">
       <p:transition p14:dur="250">
         <p:fade/>
       </p:transition>
     </mc:Choice>
-    <mc:Fallback>
+    <mc:Fallback xmlns="">
       <p:transition>
         <p:fade/>
       </p:transition>
@@ -2628,7 +2619,6 @@
               <a:rPr lang="zh-CN" altLang="en-US" smtClean="0"/>
               <a:t>单击此处编辑母版文本样式</a:t>
             </a:r>
-            <a:endParaRPr lang="zh-CN" altLang="en-US" smtClean="0"/>
           </a:p>
           <a:p>
             <a:pPr lvl="1"/>
@@ -2636,7 +2626,6 @@
               <a:rPr lang="zh-CN" altLang="en-US" smtClean="0"/>
               <a:t>第二级</a:t>
             </a:r>
-            <a:endParaRPr lang="zh-CN" altLang="en-US" smtClean="0"/>
           </a:p>
           <a:p>
             <a:pPr lvl="2"/>
@@ -2644,7 +2633,6 @@
               <a:rPr lang="zh-CN" altLang="en-US" smtClean="0"/>
               <a:t>第三级</a:t>
             </a:r>
-            <a:endParaRPr lang="zh-CN" altLang="en-US" smtClean="0"/>
           </a:p>
           <a:p>
             <a:pPr lvl="3"/>
@@ -2652,7 +2640,6 @@
               <a:rPr lang="zh-CN" altLang="en-US" smtClean="0"/>
               <a:t>第四级</a:t>
             </a:r>
-            <a:endParaRPr lang="zh-CN" altLang="en-US" smtClean="0"/>
           </a:p>
           <a:p>
             <a:pPr lvl="4"/>
@@ -2699,6 +2686,7 @@
           <a:p>
             <a:fld id="{59D9C70D-B7C8-466D-B87C-22D855EF72C6}" type="datetimeFigureOut">
               <a:rPr lang="zh-CN" altLang="en-US" smtClean="0"/>
+              <a:t>19/1/30</a:t>
             </a:fld>
             <a:endParaRPr lang="zh-CN" altLang="en-US"/>
           </a:p>
@@ -2776,6 +2764,7 @@
           <a:p>
             <a:fld id="{0F9045BA-9AC9-4435-A9A0-D822685BA71C}" type="slidenum">
               <a:rPr lang="zh-CN" altLang="en-US" smtClean="0"/>
+              <a:t>‹#›</a:t>
             </a:fld>
             <a:endParaRPr lang="zh-CN" altLang="en-US"/>
           </a:p>
@@ -3123,7 +3112,14 @@
         <p:cNvGrpSpPr/>
         <p:nvPr/>
       </p:nvGrpSpPr>
-      <p:grpSpPr/>
+      <p:grpSpPr>
+        <a:xfrm>
+          <a:off x="0" y="0"/>
+          <a:ext cx="0" cy="0"/>
+          <a:chOff x="0" y="0"/>
+          <a:chExt cx="0" cy="0"/>
+        </a:xfrm>
+      </p:grpSpPr>
       <p:sp>
         <p:nvSpPr>
           <p:cNvPr id="2" name="标题 1"/>
@@ -3142,12 +3138,12 @@
         </p:spPr>
         <p:txBody>
           <a:bodyPr/>
+          <a:lstStyle/>
           <a:p>
             <a:r>
               <a:rPr lang="zh-CN" altLang="en-US"/>
               <a:t>消息重试、定时消息、批量消息</a:t>
             </a:r>
-            <a:endParaRPr lang="zh-CN" altLang="en-US"/>
           </a:p>
         </p:txBody>
       </p:sp>
@@ -3169,19 +3165,18 @@
         </p:spPr>
         <p:txBody>
           <a:bodyPr/>
+          <a:lstStyle/>
           <a:p>
             <a:r>
               <a:rPr lang="en-US" altLang="zh-CN"/>
               <a:t>2019.01.28</a:t>
             </a:r>
-            <a:endParaRPr lang="en-US" altLang="zh-CN"/>
           </a:p>
           <a:p>
             <a:r>
               <a:rPr lang="zh-CN" altLang="en-US"/>
               <a:t>翟洪毅</a:t>
             </a:r>
-            <a:endParaRPr lang="zh-CN" altLang="en-US"/>
           </a:p>
         </p:txBody>
       </p:sp>
@@ -3193,18 +3188,25 @@
   <p:clrMapOvr>
     <a:masterClrMapping/>
   </p:clrMapOvr>
-  <mc:AlternateContent xmlns:mc="http://schemas.openxmlformats.org/markup-compatibility/2006">
-    <mc:Choice xmlns:p14="http://schemas.microsoft.com/office/powerpoint/2010/main" Requires="p14">
+  <mc:AlternateContent xmlns:mc="http://schemas.openxmlformats.org/markup-compatibility/2006" xmlns:p14="http://schemas.microsoft.com/office/powerpoint/2010/main">
+    <mc:Choice Requires="p14">
       <p:transition p14:dur="250">
         <p:fade/>
       </p:transition>
     </mc:Choice>
-    <mc:Fallback>
+    <mc:Fallback xmlns="">
       <p:transition>
         <p:fade/>
       </p:transition>
     </mc:Fallback>
   </mc:AlternateContent>
+  <p:timing>
+    <p:tnLst>
+      <p:par>
+        <p:cTn xmlns:p14="http://schemas.microsoft.com/office/powerpoint/2010/main" id="1" dur="indefinite" restart="never" nodeType="tmRoot"/>
+      </p:par>
+    </p:tnLst>
+  </p:timing>
 </p:sld>
 </file>
 
@@ -3228,7 +3230,14 @@
         <p:cNvGrpSpPr/>
         <p:nvPr/>
       </p:nvGrpSpPr>
-      <p:grpSpPr/>
+      <p:grpSpPr>
+        <a:xfrm>
+          <a:off x="0" y="0"/>
+          <a:ext cx="0" cy="0"/>
+          <a:chOff x="0" y="0"/>
+          <a:chExt cx="0" cy="0"/>
+        </a:xfrm>
+      </p:grpSpPr>
       <p:sp>
         <p:nvSpPr>
           <p:cNvPr id="2" name="标题 1"/>
@@ -3249,6 +3258,7 @@
           <a:bodyPr>
             <a:normAutofit/>
           </a:bodyPr>
+          <a:lstStyle/>
           <a:p>
             <a:r>
               <a:rPr lang="zh-CN" altLang="en-US">
@@ -3280,9 +3290,6 @@
               </a:rPr>
               <a:t>故障延迟机制</a:t>
             </a:r>
-            <a:endParaRPr lang="zh-CN" altLang="en-US">
-              <a:sym typeface="+mn-ea"/>
-            </a:endParaRPr>
           </a:p>
         </p:txBody>
       </p:sp>
@@ -3304,6 +3311,7 @@
         </p:spPr>
         <p:txBody>
           <a:bodyPr/>
+          <a:lstStyle/>
           <a:p>
             <a:endParaRPr lang="en-US" altLang="zh-CN">
               <a:sym typeface="+mn-ea"/>
@@ -3328,25 +3336,19 @@
               </a:rPr>
               <a:t>故障延时</a:t>
             </a:r>
+          </a:p>
+          <a:p>
             <a:endParaRPr lang="zh-CN" altLang="en-US">
               <a:sym typeface="+mn-ea"/>
             </a:endParaRPr>
           </a:p>
           <a:p>
-            <a:endParaRPr lang="zh-CN" altLang="en-US">
-              <a:sym typeface="+mn-ea"/>
-            </a:endParaRPr>
-          </a:p>
-          <a:p>
             <a:r>
               <a:rPr lang="zh-CN" altLang="en-US">
                 <a:sym typeface="+mn-ea"/>
               </a:rPr>
               <a:t>延迟时间是否需要区分（隔离）</a:t>
             </a:r>
-            <a:endParaRPr lang="zh-CN" altLang="en-US">
-              <a:sym typeface="+mn-ea"/>
-            </a:endParaRPr>
           </a:p>
           <a:p>
             <a:endParaRPr lang="en-US" altLang="zh-CN">
@@ -3360,9 +3362,6 @@
               </a:rPr>
               <a:t>好功能，但局限大</a:t>
             </a:r>
-            <a:endParaRPr lang="zh-CN" altLang="en-US">
-              <a:sym typeface="+mn-ea"/>
-            </a:endParaRPr>
           </a:p>
           <a:p>
             <a:endParaRPr lang="zh-CN" altLang="en-US">
@@ -3399,18 +3398,25 @@
   <p:clrMapOvr>
     <a:masterClrMapping/>
   </p:clrMapOvr>
-  <mc:AlternateContent xmlns:mc="http://schemas.openxmlformats.org/markup-compatibility/2006">
-    <mc:Choice xmlns:p14="http://schemas.microsoft.com/office/powerpoint/2010/main" Requires="p14">
+  <mc:AlternateContent xmlns:mc="http://schemas.openxmlformats.org/markup-compatibility/2006" xmlns:p14="http://schemas.microsoft.com/office/powerpoint/2010/main">
+    <mc:Choice Requires="p14">
       <p:transition p14:dur="250">
         <p:fade/>
       </p:transition>
     </mc:Choice>
-    <mc:Fallback>
+    <mc:Fallback xmlns="">
       <p:transition>
         <p:fade/>
       </p:transition>
     </mc:Fallback>
   </mc:AlternateContent>
+  <p:timing>
+    <p:tnLst>
+      <p:par>
+        <p:cTn xmlns:p14="http://schemas.microsoft.com/office/powerpoint/2010/main" id="1" dur="indefinite" restart="never" nodeType="tmRoot"/>
+      </p:par>
+    </p:tnLst>
+  </p:timing>
 </p:sld>
 </file>
 
@@ -3434,7 +3440,14 @@
         <p:cNvGrpSpPr/>
         <p:nvPr/>
       </p:nvGrpSpPr>
-      <p:grpSpPr/>
+      <p:grpSpPr>
+        <a:xfrm>
+          <a:off x="0" y="0"/>
+          <a:ext cx="0" cy="0"/>
+          <a:chOff x="0" y="0"/>
+          <a:chExt cx="0" cy="0"/>
+        </a:xfrm>
+      </p:grpSpPr>
       <p:sp>
         <p:nvSpPr>
           <p:cNvPr id="2" name="标题 1"/>
@@ -3448,6 +3461,7 @@
         <p:spPr/>
         <p:txBody>
           <a:bodyPr/>
+          <a:lstStyle/>
           <a:p>
             <a:r>
               <a:rPr lang="zh-CN" altLang="en-US"/>
@@ -3480,12 +3494,12 @@
           <a:bodyPr>
             <a:normAutofit lnSpcReduction="10000"/>
           </a:bodyPr>
+          <a:lstStyle/>
           <a:p>
             <a:r>
               <a:rPr lang="zh-CN" altLang="en-US"/>
               <a:t>流控不会重试，消息重试并不总会重试</a:t>
             </a:r>
-            <a:endParaRPr lang="zh-CN" altLang="en-US"/>
           </a:p>
           <a:p>
             <a:endParaRPr lang="zh-CN" altLang="en-US"/>
@@ -3517,7 +3531,6 @@
               <a:rPr lang="zh-CN" altLang="en-US"/>
               <a:t>超时可能发生在特定操作之前</a:t>
             </a:r>
-            <a:endParaRPr lang="zh-CN" altLang="en-US"/>
           </a:p>
           <a:p>
             <a:endParaRPr lang="zh-CN" altLang="en-US"/>
@@ -3535,7 +3548,6 @@
               <a:rPr lang="en-US" altLang="zh-CN"/>
               <a:t>bug</a:t>
             </a:r>
-            <a:endParaRPr lang="en-US" altLang="zh-CN"/>
           </a:p>
           <a:p>
             <a:endParaRPr lang="en-US" altLang="zh-CN"/>
@@ -3545,7 +3557,6 @@
               <a:rPr lang="zh-CN" altLang="en-US"/>
               <a:t>故障延迟机制还可以用于分段流量控制和其他场景</a:t>
             </a:r>
-            <a:endParaRPr lang="zh-CN" altLang="en-US"/>
           </a:p>
           <a:p>
             <a:endParaRPr lang="en-US" altLang="zh-CN"/>
@@ -3560,13 +3571,13 @@
   <p:clrMapOvr>
     <a:masterClrMapping/>
   </p:clrMapOvr>
-  <mc:AlternateContent xmlns:mc="http://schemas.openxmlformats.org/markup-compatibility/2006">
-    <mc:Choice xmlns:p14="http://schemas.microsoft.com/office/powerpoint/2010/main" Requires="p14">
+  <mc:AlternateContent xmlns:mc="http://schemas.openxmlformats.org/markup-compatibility/2006" xmlns:p14="http://schemas.microsoft.com/office/powerpoint/2010/main">
+    <mc:Choice Requires="p14">
       <p:transition p14:dur="250">
         <p:fade/>
       </p:transition>
     </mc:Choice>
-    <mc:Fallback>
+    <mc:Fallback xmlns="">
       <p:transition>
         <p:fade/>
       </p:transition>
@@ -3595,7 +3606,14 @@
         <p:cNvGrpSpPr/>
         <p:nvPr/>
       </p:nvGrpSpPr>
-      <p:grpSpPr/>
+      <p:grpSpPr>
+        <a:xfrm>
+          <a:off x="0" y="0"/>
+          <a:ext cx="0" cy="0"/>
+          <a:chOff x="0" y="0"/>
+          <a:chExt cx="0" cy="0"/>
+        </a:xfrm>
+      </p:grpSpPr>
       <p:sp>
         <p:nvSpPr>
           <p:cNvPr id="2" name="标题 1"/>
@@ -3609,6 +3627,7 @@
         <p:spPr/>
         <p:txBody>
           <a:bodyPr/>
+          <a:lstStyle/>
           <a:p>
             <a:r>
               <a:rPr lang="zh-CN" altLang="en-US"/>
@@ -3622,7 +3641,6 @@
               <a:rPr lang="zh-CN" altLang="en-US"/>
               <a:t>异步发送</a:t>
             </a:r>
-            <a:endParaRPr lang="zh-CN" altLang="en-US"/>
           </a:p>
         </p:txBody>
       </p:sp>
@@ -3639,6 +3657,7 @@
         <p:spPr/>
         <p:txBody>
           <a:bodyPr/>
+          <a:lstStyle/>
           <a:p>
             <a:endParaRPr lang="zh-CN" altLang="en-US"/>
           </a:p>
@@ -3649,13 +3668,13 @@
   <p:clrMapOvr>
     <a:masterClrMapping/>
   </p:clrMapOvr>
-  <mc:AlternateContent xmlns:mc="http://schemas.openxmlformats.org/markup-compatibility/2006">
-    <mc:Choice xmlns:p14="http://schemas.microsoft.com/office/powerpoint/2010/main" Requires="p14">
+  <mc:AlternateContent xmlns:mc="http://schemas.openxmlformats.org/markup-compatibility/2006" xmlns:p14="http://schemas.microsoft.com/office/powerpoint/2010/main">
+    <mc:Choice Requires="p14">
       <p:transition p14:dur="250">
         <p:fade/>
       </p:transition>
     </mc:Choice>
-    <mc:Fallback>
+    <mc:Fallback xmlns="">
       <p:transition>
         <p:fade/>
       </p:transition>
@@ -3684,7 +3703,14 @@
         <p:cNvGrpSpPr/>
         <p:nvPr/>
       </p:nvGrpSpPr>
-      <p:grpSpPr/>
+      <p:grpSpPr>
+        <a:xfrm>
+          <a:off x="0" y="0"/>
+          <a:ext cx="0" cy="0"/>
+          <a:chOff x="0" y="0"/>
+          <a:chExt cx="0" cy="0"/>
+        </a:xfrm>
+      </p:grpSpPr>
       <p:sp>
         <p:nvSpPr>
           <p:cNvPr id="2" name="标题 1"/>
@@ -3698,6 +3724,7 @@
         <p:spPr/>
         <p:txBody>
           <a:bodyPr/>
+          <a:lstStyle/>
           <a:p>
             <a:r>
               <a:rPr lang="zh-CN" altLang="en-US">
@@ -3717,9 +3744,6 @@
               </a:rPr>
               <a:t>消息存本地</a:t>
             </a:r>
-            <a:endParaRPr lang="zh-CN" altLang="en-US">
-              <a:sym typeface="+mn-ea"/>
-            </a:endParaRPr>
           </a:p>
         </p:txBody>
       </p:sp>
@@ -3736,6 +3760,7 @@
         <p:spPr/>
         <p:txBody>
           <a:bodyPr/>
+          <a:lstStyle/>
           <a:p>
             <a:endParaRPr lang="en-US" altLang="zh-CN"/>
           </a:p>
@@ -3746,13 +3771,13 @@
   <p:clrMapOvr>
     <a:masterClrMapping/>
   </p:clrMapOvr>
-  <mc:AlternateContent xmlns:mc="http://schemas.openxmlformats.org/markup-compatibility/2006">
-    <mc:Choice xmlns:p14="http://schemas.microsoft.com/office/powerpoint/2010/main" Requires="p14">
+  <mc:AlternateContent xmlns:mc="http://schemas.openxmlformats.org/markup-compatibility/2006" xmlns:p14="http://schemas.microsoft.com/office/powerpoint/2010/main">
+    <mc:Choice Requires="p14">
       <p:transition p14:dur="250">
         <p:fade/>
       </p:transition>
     </mc:Choice>
-    <mc:Fallback>
+    <mc:Fallback xmlns="">
       <p:transition>
         <p:fade/>
       </p:transition>
@@ -3781,7 +3806,14 @@
         <p:cNvGrpSpPr/>
         <p:nvPr/>
       </p:nvGrpSpPr>
-      <p:grpSpPr/>
+      <p:grpSpPr>
+        <a:xfrm>
+          <a:off x="0" y="0"/>
+          <a:ext cx="0" cy="0"/>
+          <a:chOff x="0" y="0"/>
+          <a:chExt cx="0" cy="0"/>
+        </a:xfrm>
+      </p:grpSpPr>
       <p:sp>
         <p:nvSpPr>
           <p:cNvPr id="2" name="标题 1"/>
@@ -3795,6 +3827,7 @@
         <p:spPr/>
         <p:txBody>
           <a:bodyPr/>
+          <a:lstStyle/>
           <a:p>
             <a:r>
               <a:rPr lang="zh-CN" altLang="en-US">
@@ -3802,9 +3835,6 @@
               </a:rPr>
               <a:t>最后思考题</a:t>
             </a:r>
-            <a:endParaRPr lang="zh-CN" altLang="en-US">
-              <a:sym typeface="+mn-ea"/>
-            </a:endParaRPr>
           </a:p>
         </p:txBody>
       </p:sp>
@@ -3821,6 +3851,7 @@
         <p:spPr/>
         <p:txBody>
           <a:bodyPr/>
+          <a:lstStyle/>
           <a:p>
             <a:r>
               <a:rPr lang="en-US" altLang="zh-CN"/>
@@ -3838,7 +3869,6 @@
               <a:rPr lang="zh-CN" altLang="en-US"/>
               <a:t>线程模型是什么样的？这样设计的好处是什么？</a:t>
             </a:r>
-            <a:endParaRPr lang="zh-CN" altLang="en-US"/>
           </a:p>
           <a:p>
             <a:endParaRPr lang="en-US" altLang="zh-CN"/>
@@ -3850,13 +3880,13 @@
   <p:clrMapOvr>
     <a:masterClrMapping/>
   </p:clrMapOvr>
-  <mc:AlternateContent xmlns:mc="http://schemas.openxmlformats.org/markup-compatibility/2006">
-    <mc:Choice xmlns:p14="http://schemas.microsoft.com/office/powerpoint/2010/main" Requires="p14">
+  <mc:AlternateContent xmlns:mc="http://schemas.openxmlformats.org/markup-compatibility/2006" xmlns:p14="http://schemas.microsoft.com/office/powerpoint/2010/main">
+    <mc:Choice Requires="p14">
       <p:transition p14:dur="250">
         <p:fade/>
       </p:transition>
     </mc:Choice>
-    <mc:Fallback>
+    <mc:Fallback xmlns="">
       <p:transition>
         <p:fade/>
       </p:transition>
@@ -3885,7 +3915,14 @@
         <p:cNvGrpSpPr/>
         <p:nvPr/>
       </p:nvGrpSpPr>
-      <p:grpSpPr/>
+      <p:grpSpPr>
+        <a:xfrm>
+          <a:off x="0" y="0"/>
+          <a:ext cx="0" cy="0"/>
+          <a:chOff x="0" y="0"/>
+          <a:chExt cx="0" cy="0"/>
+        </a:xfrm>
+      </p:grpSpPr>
       <p:sp>
         <p:nvSpPr>
           <p:cNvPr id="2" name="标题 1"/>
@@ -3899,6 +3936,7 @@
         <p:spPr/>
         <p:txBody>
           <a:bodyPr/>
+          <a:lstStyle/>
           <a:p>
             <a:endParaRPr lang="zh-CN" altLang="en-US"/>
           </a:p>
@@ -3908,14 +3946,14 @@
         <p:nvPicPr>
           <p:cNvPr id="4" name="内容占位符 3" descr="分享流程"/>
           <p:cNvPicPr>
-            <a:picLocks noChangeAspect="1"/>
+            <a:picLocks noGrp="1" noChangeAspect="1"/>
           </p:cNvPicPr>
           <p:nvPr>
             <p:ph idx="1"/>
           </p:nvPr>
         </p:nvPicPr>
         <p:blipFill>
-          <a:blip r:embed="rId1"/>
+          <a:blip r:embed="rId2"/>
           <a:stretch>
             <a:fillRect/>
           </a:stretch>
@@ -3935,18 +3973,25 @@
   <p:clrMapOvr>
     <a:masterClrMapping/>
   </p:clrMapOvr>
-  <mc:AlternateContent xmlns:mc="http://schemas.openxmlformats.org/markup-compatibility/2006">
-    <mc:Choice xmlns:p14="http://schemas.microsoft.com/office/powerpoint/2010/main" Requires="p14">
+  <mc:AlternateContent xmlns:mc="http://schemas.openxmlformats.org/markup-compatibility/2006" xmlns:p14="http://schemas.microsoft.com/office/powerpoint/2010/main">
+    <mc:Choice Requires="p14">
       <p:transition p14:dur="250">
         <p:fade/>
       </p:transition>
     </mc:Choice>
-    <mc:Fallback>
+    <mc:Fallback xmlns="">
       <p:transition>
         <p:fade/>
       </p:transition>
     </mc:Fallback>
   </mc:AlternateContent>
+  <p:timing>
+    <p:tnLst>
+      <p:par>
+        <p:cTn xmlns:p14="http://schemas.microsoft.com/office/powerpoint/2010/main" id="1" dur="indefinite" restart="never" nodeType="tmRoot"/>
+      </p:par>
+    </p:tnLst>
+  </p:timing>
 </p:sld>
 </file>
 
@@ -3970,7 +4015,14 @@
         <p:cNvGrpSpPr/>
         <p:nvPr/>
       </p:nvGrpSpPr>
-      <p:grpSpPr/>
+      <p:grpSpPr>
+        <a:xfrm>
+          <a:off x="0" y="0"/>
+          <a:ext cx="0" cy="0"/>
+          <a:chOff x="0" y="0"/>
+          <a:chExt cx="0" cy="0"/>
+        </a:xfrm>
+      </p:grpSpPr>
       <p:sp>
         <p:nvSpPr>
           <p:cNvPr id="2" name="标题 1"/>
@@ -3984,6 +4036,7 @@
         <p:spPr/>
         <p:txBody>
           <a:bodyPr/>
+          <a:lstStyle/>
           <a:p>
             <a:r>
               <a:rPr lang="zh-CN" altLang="en-US"/>
@@ -4011,6 +4064,7 @@
         </p:spPr>
         <p:txBody>
           <a:bodyPr/>
+          <a:lstStyle/>
           <a:p>
             <a:r>
               <a:rPr lang="zh-CN" altLang="en-US"/>
@@ -4024,7 +4078,6 @@
               <a:rPr lang="zh-CN" altLang="en-US"/>
               <a:t>住所有异常吗，发消息的可靠性如何提高？</a:t>
             </a:r>
-            <a:endParaRPr lang="zh-CN" altLang="en-US"/>
           </a:p>
           <a:p>
             <a:endParaRPr lang="en-US" altLang="zh-CN"/>
@@ -4038,7 +4091,6 @@
               <a:rPr lang="zh-CN" altLang="en-US"/>
               <a:t>一定返回正数吗？</a:t>
             </a:r>
-            <a:endParaRPr lang="zh-CN" altLang="en-US"/>
           </a:p>
           <a:p>
             <a:endParaRPr lang="zh-CN" altLang="en-US"/>
@@ -4048,7 +4100,6 @@
               <a:rPr lang="zh-CN" altLang="en-US"/>
               <a:t>定时消息的顺序性如何保证？</a:t>
             </a:r>
-            <a:endParaRPr lang="zh-CN" altLang="en-US"/>
           </a:p>
           <a:p>
             <a:endParaRPr lang="zh-CN" altLang="en-US"/>
@@ -4067,18 +4118,25 @@
   <p:clrMapOvr>
     <a:masterClrMapping/>
   </p:clrMapOvr>
-  <mc:AlternateContent xmlns:mc="http://schemas.openxmlformats.org/markup-compatibility/2006">
-    <mc:Choice xmlns:p14="http://schemas.microsoft.com/office/powerpoint/2010/main" Requires="p14">
+  <mc:AlternateContent xmlns:mc="http://schemas.openxmlformats.org/markup-compatibility/2006" xmlns:p14="http://schemas.microsoft.com/office/powerpoint/2010/main">
+    <mc:Choice Requires="p14">
       <p:transition p14:dur="250">
         <p:fade/>
       </p:transition>
     </mc:Choice>
-    <mc:Fallback>
+    <mc:Fallback xmlns="">
       <p:transition>
         <p:fade/>
       </p:transition>
     </mc:Fallback>
   </mc:AlternateContent>
+  <p:timing>
+    <p:tnLst>
+      <p:par>
+        <p:cTn xmlns:p14="http://schemas.microsoft.com/office/powerpoint/2010/main" id="1" dur="indefinite" restart="never" nodeType="tmRoot"/>
+      </p:par>
+    </p:tnLst>
+  </p:timing>
 </p:sld>
 </file>
 
@@ -4102,7 +4160,14 @@
         <p:cNvGrpSpPr/>
         <p:nvPr/>
       </p:nvGrpSpPr>
-      <p:grpSpPr/>
+      <p:grpSpPr>
+        <a:xfrm>
+          <a:off x="0" y="0"/>
+          <a:ext cx="0" cy="0"/>
+          <a:chOff x="0" y="0"/>
+          <a:chExt cx="0" cy="0"/>
+        </a:xfrm>
+      </p:grpSpPr>
       <p:sp>
         <p:nvSpPr>
           <p:cNvPr id="2" name="标题 1"/>
@@ -4116,6 +4181,7 @@
         <p:spPr/>
         <p:txBody>
           <a:bodyPr/>
+          <a:lstStyle/>
           <a:p>
             <a:r>
               <a:rPr lang="zh-CN" altLang="en-US"/>
@@ -4129,7 +4195,6 @@
               <a:rPr lang="zh-CN" altLang="en-US"/>
               <a:t>概述</a:t>
             </a:r>
-            <a:endParaRPr lang="zh-CN" altLang="en-US"/>
           </a:p>
         </p:txBody>
       </p:sp>
@@ -4146,6 +4211,7 @@
         <p:spPr/>
         <p:txBody>
           <a:bodyPr/>
+          <a:lstStyle/>
           <a:p>
             <a:endParaRPr lang="zh-CN" altLang="en-US"/>
           </a:p>
@@ -4154,7 +4220,6 @@
               <a:rPr lang="zh-CN" altLang="en-US"/>
               <a:t>同步、异步发送方式有重试机制，单向发送没有</a:t>
             </a:r>
-            <a:endParaRPr lang="zh-CN" altLang="en-US"/>
           </a:p>
           <a:p>
             <a:endParaRPr lang="zh-CN" altLang="en-US"/>
@@ -4180,7 +4245,6 @@
               <a:rPr lang="zh-CN" altLang="en-US"/>
               <a:t>，发送高可用</a:t>
             </a:r>
-            <a:endParaRPr lang="zh-CN" altLang="en-US"/>
           </a:p>
           <a:p>
             <a:endParaRPr lang="en-US" altLang="zh-CN"/>
@@ -4206,7 +4270,6 @@
               <a:rPr lang="zh-CN" altLang="en-US"/>
               <a:t>，不保证保证高可用</a:t>
             </a:r>
-            <a:endParaRPr lang="zh-CN" altLang="en-US"/>
           </a:p>
           <a:p>
             <a:endParaRPr lang="zh-CN" altLang="en-US"/>
@@ -4229,18 +4292,25 @@
   <p:clrMapOvr>
     <a:masterClrMapping/>
   </p:clrMapOvr>
-  <mc:AlternateContent xmlns:mc="http://schemas.openxmlformats.org/markup-compatibility/2006">
-    <mc:Choice xmlns:p14="http://schemas.microsoft.com/office/powerpoint/2010/main" Requires="p14">
+  <mc:AlternateContent xmlns:mc="http://schemas.openxmlformats.org/markup-compatibility/2006" xmlns:p14="http://schemas.microsoft.com/office/powerpoint/2010/main">
+    <mc:Choice Requires="p14">
       <p:transition p14:dur="250">
         <p:fade/>
       </p:transition>
     </mc:Choice>
-    <mc:Fallback>
+    <mc:Fallback xmlns="">
       <p:transition>
         <p:fade/>
       </p:transition>
     </mc:Fallback>
   </mc:AlternateContent>
+  <p:timing>
+    <p:tnLst>
+      <p:par>
+        <p:cTn xmlns:p14="http://schemas.microsoft.com/office/powerpoint/2010/main" id="1" dur="indefinite" restart="never" nodeType="tmRoot"/>
+      </p:par>
+    </p:tnLst>
+  </p:timing>
 </p:sld>
 </file>
 
@@ -4264,7 +4334,14 @@
         <p:cNvGrpSpPr/>
         <p:nvPr/>
       </p:nvGrpSpPr>
-      <p:grpSpPr/>
+      <p:grpSpPr>
+        <a:xfrm>
+          <a:off x="0" y="0"/>
+          <a:ext cx="0" cy="0"/>
+          <a:chOff x="0" y="0"/>
+          <a:chExt cx="0" cy="0"/>
+        </a:xfrm>
+      </p:grpSpPr>
       <p:sp>
         <p:nvSpPr>
           <p:cNvPr id="2" name="标题 1"/>
@@ -4285,6 +4362,7 @@
           <a:bodyPr>
             <a:normAutofit fontScale="90000"/>
           </a:bodyPr>
+          <a:lstStyle/>
           <a:p>
             <a:r>
               <a:rPr lang="zh-CN" altLang="en-US"/>
@@ -4298,7 +4376,6 @@
               <a:rPr lang="zh-CN" altLang="en-US"/>
               <a:t>概述</a:t>
             </a:r>
-            <a:endParaRPr lang="zh-CN" altLang="en-US"/>
           </a:p>
         </p:txBody>
       </p:sp>
@@ -4306,14 +4383,14 @@
         <p:nvPicPr>
           <p:cNvPr id="4" name="内容占位符 3"/>
           <p:cNvPicPr>
-            <a:picLocks noChangeAspect="1"/>
+            <a:picLocks noGrp="1" noChangeAspect="1"/>
           </p:cNvPicPr>
           <p:nvPr>
             <p:ph idx="1"/>
           </p:nvPr>
         </p:nvPicPr>
         <p:blipFill>
-          <a:blip r:embed="rId1"/>
+          <a:blip r:embed="rId2"/>
           <a:stretch>
             <a:fillRect/>
           </a:stretch>
@@ -4333,18 +4410,25 @@
   <p:clrMapOvr>
     <a:masterClrMapping/>
   </p:clrMapOvr>
-  <mc:AlternateContent xmlns:mc="http://schemas.openxmlformats.org/markup-compatibility/2006">
-    <mc:Choice xmlns:p14="http://schemas.microsoft.com/office/powerpoint/2010/main" Requires="p14">
+  <mc:AlternateContent xmlns:mc="http://schemas.openxmlformats.org/markup-compatibility/2006" xmlns:p14="http://schemas.microsoft.com/office/powerpoint/2010/main">
+    <mc:Choice Requires="p14">
       <p:transition p14:dur="250">
         <p:fade/>
       </p:transition>
     </mc:Choice>
-    <mc:Fallback>
+    <mc:Fallback xmlns="">
       <p:transition>
         <p:fade/>
       </p:transition>
     </mc:Fallback>
   </mc:AlternateContent>
+  <p:timing>
+    <p:tnLst>
+      <p:par>
+        <p:cTn xmlns:p14="http://schemas.microsoft.com/office/powerpoint/2010/main" id="1" dur="indefinite" restart="never" nodeType="tmRoot"/>
+      </p:par>
+    </p:tnLst>
+  </p:timing>
 </p:sld>
 </file>
 
@@ -4368,7 +4452,14 @@
         <p:cNvGrpSpPr/>
         <p:nvPr/>
       </p:nvGrpSpPr>
-      <p:grpSpPr/>
+      <p:grpSpPr>
+        <a:xfrm>
+          <a:off x="0" y="0"/>
+          <a:ext cx="0" cy="0"/>
+          <a:chOff x="0" y="0"/>
+          <a:chExt cx="0" cy="0"/>
+        </a:xfrm>
+      </p:grpSpPr>
       <p:sp>
         <p:nvSpPr>
           <p:cNvPr id="2" name="标题 1"/>
@@ -4387,6 +4478,7 @@
         </p:spPr>
         <p:txBody>
           <a:bodyPr/>
+          <a:lstStyle/>
           <a:p>
             <a:r>
               <a:rPr lang="zh-CN" altLang="en-US">
@@ -4404,17 +4496,8 @@
               <a:rPr lang="zh-CN" altLang="en-US">
                 <a:sym typeface="+mn-ea"/>
               </a:rPr>
-              <a:t>主要</a:t>
-            </a:r>
-            <a:r>
-              <a:rPr lang="zh-CN" altLang="en-US">
-                <a:sym typeface="+mn-ea"/>
-              </a:rPr>
-              <a:t>配置</a:t>
-            </a:r>
-            <a:endParaRPr lang="zh-CN" altLang="en-US">
-              <a:sym typeface="+mn-ea"/>
-            </a:endParaRPr>
+              <a:t>主要配置</a:t>
+            </a:r>
           </a:p>
         </p:txBody>
       </p:sp>
@@ -4436,106 +4519,132 @@
         </p:spPr>
         <p:txBody>
           <a:bodyPr/>
-          <a:p>
-            <a:r>
-              <a:rPr lang="zh-CN" altLang="en-US"/>
+          <a:lstStyle/>
+          <a:p>
+            <a:r>
+              <a:rPr lang="zh-CN" altLang="en-US" dirty="0"/>
               <a:t>retryTimesWhenSendFailed，默认</a:t>
             </a:r>
             <a:r>
-              <a:rPr lang="en-US" altLang="zh-CN"/>
+              <a:rPr lang="en-US" altLang="zh-CN" dirty="0"/>
               <a:t>2</a:t>
             </a:r>
             <a:r>
-              <a:rPr lang="zh-CN" altLang="en-US"/>
-              <a:t>，同步发送重试次数最多重试</a:t>
-            </a:r>
-            <a:r>
-              <a:rPr lang="en-US" altLang="zh-CN"/>
-              <a:t>x + 1</a:t>
-            </a:r>
-            <a:r>
-              <a:rPr lang="zh-CN" altLang="en-US"/>
+              <a:rPr lang="zh-CN" altLang="en-US" dirty="0"/>
+              <a:t>，同步发送重试</a:t>
+            </a:r>
+            <a:r>
+              <a:rPr lang="zh-CN" altLang="en-US" dirty="0" smtClean="0"/>
+              <a:t>次数最多</a:t>
+            </a:r>
+            <a:r>
+              <a:rPr lang="zh-CN" altLang="en-US" dirty="0" smtClean="0"/>
+              <a:t>尝试</a:t>
+            </a:r>
+            <a:r>
+              <a:rPr lang="en-US" altLang="zh-CN" dirty="0" smtClean="0"/>
+              <a:t>x </a:t>
+            </a:r>
+            <a:r>
+              <a:rPr lang="en-US" altLang="zh-CN" dirty="0"/>
+              <a:t>+ 1</a:t>
+            </a:r>
+            <a:r>
+              <a:rPr lang="zh-CN" altLang="en-US" dirty="0"/>
               <a:t>次</a:t>
             </a:r>
-            <a:endParaRPr lang="zh-CN" altLang="en-US"/>
-          </a:p>
-          <a:p>
-            <a:endParaRPr lang="zh-CN" altLang="en-US"/>
-          </a:p>
-          <a:p>
-            <a:r>
-              <a:rPr lang="zh-CN" altLang="en-US"/>
+          </a:p>
+          <a:p>
+            <a:endParaRPr lang="zh-CN" altLang="en-US" dirty="0"/>
+          </a:p>
+          <a:p>
+            <a:r>
+              <a:rPr lang="zh-CN" altLang="en-US" dirty="0"/>
               <a:t>retryTimesWhenSendAsyncFailed，默认</a:t>
             </a:r>
             <a:r>
-              <a:rPr lang="en-US" altLang="zh-CN"/>
+              <a:rPr lang="en-US" altLang="zh-CN" dirty="0"/>
               <a:t>2</a:t>
             </a:r>
             <a:r>
-              <a:rPr lang="zh-CN" altLang="en-US"/>
+              <a:rPr lang="zh-CN" altLang="en-US" dirty="0"/>
               <a:t>，异步</a:t>
             </a:r>
             <a:r>
-              <a:rPr lang="zh-CN" altLang="en-US">
-                <a:sym typeface="+mn-ea"/>
-              </a:rPr>
-              <a:t>发送重试次数最多重试</a:t>
-            </a:r>
-            <a:r>
-              <a:rPr lang="en-US" altLang="zh-CN">
-                <a:sym typeface="+mn-ea"/>
-              </a:rPr>
-              <a:t>x + 1</a:t>
-            </a:r>
-            <a:r>
-              <a:rPr lang="zh-CN" altLang="en-US">
+              <a:rPr lang="zh-CN" altLang="en-US" dirty="0">
+                <a:sym typeface="+mn-ea"/>
+              </a:rPr>
+              <a:t>发送重试</a:t>
+            </a:r>
+            <a:r>
+              <a:rPr lang="zh-CN" altLang="en-US" dirty="0" smtClean="0">
+                <a:sym typeface="+mn-ea"/>
+              </a:rPr>
+              <a:t>次数最多</a:t>
+            </a:r>
+            <a:r>
+              <a:rPr lang="zh-CN" altLang="en-US" dirty="0" smtClean="0">
+                <a:sym typeface="+mn-ea"/>
+              </a:rPr>
+              <a:t>尝试</a:t>
+            </a:r>
+            <a:r>
+              <a:rPr lang="en-US" altLang="zh-CN" dirty="0" smtClean="0">
+                <a:sym typeface="+mn-ea"/>
+              </a:rPr>
+              <a:t>x </a:t>
+            </a:r>
+            <a:r>
+              <a:rPr lang="en-US" altLang="zh-CN" dirty="0">
+                <a:sym typeface="+mn-ea"/>
+              </a:rPr>
+              <a:t>+ 1</a:t>
+            </a:r>
+            <a:r>
+              <a:rPr lang="zh-CN" altLang="en-US" dirty="0">
                 <a:sym typeface="+mn-ea"/>
               </a:rPr>
               <a:t>次</a:t>
             </a:r>
-            <a:endParaRPr lang="zh-CN" altLang="en-US">
+          </a:p>
+          <a:p>
+            <a:endParaRPr lang="zh-CN" altLang="en-US" dirty="0">
               <a:sym typeface="+mn-ea"/>
             </a:endParaRPr>
           </a:p>
           <a:p>
-            <a:endParaRPr lang="zh-CN" altLang="en-US">
-              <a:sym typeface="+mn-ea"/>
-            </a:endParaRPr>
-          </a:p>
-          <a:p>
-            <a:r>
-              <a:rPr lang="zh-CN" altLang="en-US"/>
+            <a:r>
+              <a:rPr lang="zh-CN" altLang="en-US" dirty="0"/>
               <a:t>retryAnotherBrokerWhenNotStoreOK，默认</a:t>
             </a:r>
             <a:r>
-              <a:rPr lang="en-US" altLang="zh-CN"/>
+              <a:rPr lang="en-US" altLang="zh-CN" dirty="0"/>
               <a:t>false</a:t>
             </a:r>
             <a:r>
-              <a:rPr lang="zh-CN" altLang="en-US"/>
+              <a:rPr lang="zh-CN" altLang="en-US" dirty="0"/>
               <a:t>，当发送成功，但刷盘、复制状态异常时是否重试，用于</a:t>
             </a:r>
             <a:r>
-              <a:rPr lang="en-US" altLang="zh-CN"/>
+              <a:rPr lang="en-US" altLang="zh-CN" dirty="0"/>
               <a:t>broker</a:t>
             </a:r>
             <a:r>
-              <a:rPr lang="zh-CN" altLang="en-US"/>
+              <a:rPr lang="zh-CN" altLang="en-US" dirty="0"/>
               <a:t>同步刷盘、同步复制场景</a:t>
             </a:r>
-            <a:endParaRPr lang="zh-CN" altLang="en-US"/>
-          </a:p>
-          <a:p>
-            <a:endParaRPr lang="zh-CN" altLang="en-US"/>
-          </a:p>
-          <a:p>
-            <a:endParaRPr lang="zh-CN" altLang="en-US"/>
-          </a:p>
-          <a:p>
-            <a:endParaRPr lang="zh-CN" altLang="en-US"/>
-          </a:p>
-          <a:p>
-            <a:endParaRPr lang="zh-CN" altLang="en-US"/>
+          </a:p>
+          <a:p>
+            <a:endParaRPr lang="zh-CN" altLang="en-US" dirty="0"/>
+          </a:p>
+          <a:p>
+            <a:endParaRPr lang="zh-CN" altLang="en-US" dirty="0"/>
+          </a:p>
+          <a:p>
+            <a:endParaRPr lang="zh-CN" altLang="en-US" dirty="0"/>
+          </a:p>
+          <a:p>
+            <a:endParaRPr lang="zh-CN" altLang="en-US" dirty="0"/>
           </a:p>
         </p:txBody>
       </p:sp>
@@ -4544,18 +4653,25 @@
   <p:clrMapOvr>
     <a:masterClrMapping/>
   </p:clrMapOvr>
-  <mc:AlternateContent xmlns:mc="http://schemas.openxmlformats.org/markup-compatibility/2006">
-    <mc:Choice xmlns:p14="http://schemas.microsoft.com/office/powerpoint/2010/main" Requires="p14">
+  <mc:AlternateContent xmlns:mc="http://schemas.openxmlformats.org/markup-compatibility/2006" xmlns:p14="http://schemas.microsoft.com/office/powerpoint/2010/main">
+    <mc:Choice Requires="p14">
       <p:transition p14:dur="250">
         <p:fade/>
       </p:transition>
     </mc:Choice>
-    <mc:Fallback>
+    <mc:Fallback xmlns="">
       <p:transition>
         <p:fade/>
       </p:transition>
     </mc:Fallback>
   </mc:AlternateContent>
+  <p:timing>
+    <p:tnLst>
+      <p:par>
+        <p:cTn xmlns:p14="http://schemas.microsoft.com/office/powerpoint/2010/main" id="1" dur="indefinite" restart="never" nodeType="tmRoot"/>
+      </p:par>
+    </p:tnLst>
+  </p:timing>
 </p:sld>
 </file>
 
@@ -4579,7 +4695,14 @@
         <p:cNvGrpSpPr/>
         <p:nvPr/>
       </p:nvGrpSpPr>
-      <p:grpSpPr/>
+      <p:grpSpPr>
+        <a:xfrm>
+          <a:off x="0" y="0"/>
+          <a:ext cx="0" cy="0"/>
+          <a:chOff x="0" y="0"/>
+          <a:chExt cx="0" cy="0"/>
+        </a:xfrm>
+      </p:grpSpPr>
       <p:sp>
         <p:nvSpPr>
           <p:cNvPr id="2" name="标题 1"/>
@@ -4593,6 +4716,7 @@
         <p:spPr/>
         <p:txBody>
           <a:bodyPr/>
+          <a:lstStyle/>
           <a:p>
             <a:r>
               <a:rPr lang="zh-CN" altLang="en-US"/>
@@ -4606,7 +4730,6 @@
               <a:rPr lang="zh-CN" altLang="en-US"/>
               <a:t>次要配置</a:t>
             </a:r>
-            <a:endParaRPr lang="zh-CN" altLang="en-US"/>
           </a:p>
         </p:txBody>
       </p:sp>
@@ -4623,6 +4746,7 @@
         <p:spPr/>
         <p:txBody>
           <a:bodyPr/>
+          <a:lstStyle/>
           <a:p>
             <a:r>
               <a:rPr lang="zh-CN" altLang="en-US"/>
@@ -4644,7 +4768,6 @@
               <a:rPr lang="zh-CN" altLang="en-US"/>
               <a:t>发消息</a:t>
             </a:r>
-            <a:endParaRPr lang="zh-CN" altLang="en-US"/>
           </a:p>
           <a:p>
             <a:endParaRPr lang="zh-CN" altLang="en-US"/>
@@ -4654,7 +4777,6 @@
               <a:rPr lang="zh-CN" altLang="en-US"/>
               <a:t>latencyMax，默认{50L, 100L, 550L, 1000L, 2000L, 3000L, 15000L}，发送耗时等级</a:t>
             </a:r>
-            <a:endParaRPr lang="zh-CN" altLang="en-US"/>
           </a:p>
           <a:p>
             <a:endParaRPr lang="zh-CN" altLang="en-US"/>
@@ -4679,18 +4801,25 @@
   <p:clrMapOvr>
     <a:masterClrMapping/>
   </p:clrMapOvr>
-  <mc:AlternateContent xmlns:mc="http://schemas.openxmlformats.org/markup-compatibility/2006">
-    <mc:Choice xmlns:p14="http://schemas.microsoft.com/office/powerpoint/2010/main" Requires="p14">
+  <mc:AlternateContent xmlns:mc="http://schemas.openxmlformats.org/markup-compatibility/2006" xmlns:p14="http://schemas.microsoft.com/office/powerpoint/2010/main">
+    <mc:Choice Requires="p14">
       <p:transition p14:dur="250">
         <p:fade/>
       </p:transition>
     </mc:Choice>
-    <mc:Fallback>
+    <mc:Fallback xmlns="">
       <p:transition>
         <p:fade/>
       </p:transition>
     </mc:Fallback>
   </mc:AlternateContent>
+  <p:timing>
+    <p:tnLst>
+      <p:par>
+        <p:cTn xmlns:p14="http://schemas.microsoft.com/office/powerpoint/2010/main" id="1" dur="indefinite" restart="never" nodeType="tmRoot"/>
+      </p:par>
+    </p:tnLst>
+  </p:timing>
 </p:sld>
 </file>
 
@@ -4714,7 +4843,14 @@
         <p:cNvGrpSpPr/>
         <p:nvPr/>
       </p:nvGrpSpPr>
-      <p:grpSpPr/>
+      <p:grpSpPr>
+        <a:xfrm>
+          <a:off x="0" y="0"/>
+          <a:ext cx="0" cy="0"/>
+          <a:chOff x="0" y="0"/>
+          <a:chExt cx="0" cy="0"/>
+        </a:xfrm>
+      </p:grpSpPr>
       <p:sp>
         <p:nvSpPr>
           <p:cNvPr id="2" name="标题 1"/>
@@ -4735,6 +4871,7 @@
           <a:bodyPr>
             <a:normAutofit fontScale="90000"/>
           </a:bodyPr>
+          <a:lstStyle/>
           <a:p>
             <a:r>
               <a:rPr lang="zh-CN" altLang="en-US">
@@ -4766,9 +4903,6 @@
               </a:rPr>
               <a:t>什么时候发生重试</a:t>
             </a:r>
-            <a:endParaRPr lang="zh-CN" altLang="en-US">
-              <a:sym typeface="+mn-ea"/>
-            </a:endParaRPr>
           </a:p>
         </p:txBody>
       </p:sp>
@@ -4790,6 +4924,7 @@
         </p:spPr>
         <p:txBody>
           <a:bodyPr/>
+          <a:lstStyle/>
           <a:p>
             <a:r>
               <a:rPr lang="zh-CN" altLang="en-US"/>
@@ -4815,12 +4950,11 @@
               <a:rPr lang="en-US" altLang="zh-CN"/>
               <a:t>MQBrokerException</a:t>
             </a:r>
+          </a:p>
+          <a:p>
             <a:endParaRPr lang="en-US" altLang="zh-CN"/>
           </a:p>
           <a:p>
-            <a:endParaRPr lang="en-US" altLang="zh-CN"/>
-          </a:p>
-          <a:p>
             <a:r>
               <a:rPr lang="en-US" altLang="zh-CN">
                 <a:sym typeface="+mn-ea"/>
@@ -4857,16 +4991,13 @@
               </a:rPr>
               <a:t>地址</a:t>
             </a:r>
+          </a:p>
+          <a:p>
             <a:endParaRPr lang="zh-CN" altLang="en-US">
               <a:sym typeface="+mn-ea"/>
             </a:endParaRPr>
           </a:p>
           <a:p>
-            <a:endParaRPr lang="zh-CN" altLang="en-US">
-              <a:sym typeface="+mn-ea"/>
-            </a:endParaRPr>
-          </a:p>
-          <a:p>
             <a:r>
               <a:rPr lang="en-US" altLang="zh-CN">
                 <a:sym typeface="+mn-ea"/>
@@ -4879,9 +5010,6 @@
               </a:rPr>
               <a:t>发送失败、发送超时</a:t>
             </a:r>
-            <a:endParaRPr lang="zh-CN" altLang="en-US">
-              <a:sym typeface="+mn-ea"/>
-            </a:endParaRPr>
           </a:p>
           <a:p>
             <a:endParaRPr lang="zh-CN" altLang="en-US">
@@ -4946,18 +5074,25 @@
   <p:clrMapOvr>
     <a:masterClrMapping/>
   </p:clrMapOvr>
-  <mc:AlternateContent xmlns:mc="http://schemas.openxmlformats.org/markup-compatibility/2006">
-    <mc:Choice xmlns:p14="http://schemas.microsoft.com/office/powerpoint/2010/main" Requires="p14">
+  <mc:AlternateContent xmlns:mc="http://schemas.openxmlformats.org/markup-compatibility/2006" xmlns:p14="http://schemas.microsoft.com/office/powerpoint/2010/main">
+    <mc:Choice Requires="p14">
       <p:transition p14:dur="250">
         <p:fade/>
       </p:transition>
     </mc:Choice>
-    <mc:Fallback>
+    <mc:Fallback xmlns="">
       <p:transition>
         <p:fade/>
       </p:transition>
     </mc:Fallback>
   </mc:AlternateContent>
+  <p:timing>
+    <p:tnLst>
+      <p:par>
+        <p:cTn xmlns:p14="http://schemas.microsoft.com/office/powerpoint/2010/main" id="1" dur="indefinite" restart="never" nodeType="tmRoot"/>
+      </p:par>
+    </p:tnLst>
+  </p:timing>
 </p:sld>
 </file>
 
@@ -4981,7 +5116,14 @@
         <p:cNvGrpSpPr/>
         <p:nvPr/>
       </p:nvGrpSpPr>
-      <p:grpSpPr/>
+      <p:grpSpPr>
+        <a:xfrm>
+          <a:off x="0" y="0"/>
+          <a:ext cx="0" cy="0"/>
+          <a:chOff x="0" y="0"/>
+          <a:chExt cx="0" cy="0"/>
+        </a:xfrm>
+      </p:grpSpPr>
       <p:sp>
         <p:nvSpPr>
           <p:cNvPr id="2" name="标题 1"/>
@@ -5002,6 +5144,7 @@
           <a:bodyPr>
             <a:normAutofit/>
           </a:bodyPr>
+          <a:lstStyle/>
           <a:p>
             <a:r>
               <a:rPr lang="zh-CN" altLang="en-US">
@@ -5039,9 +5182,6 @@
               </a:rPr>
               <a:t>MQ</a:t>
             </a:r>
-            <a:endParaRPr lang="en-US" altLang="zh-CN">
-              <a:sym typeface="+mn-ea"/>
-            </a:endParaRPr>
           </a:p>
         </p:txBody>
       </p:sp>
@@ -5063,6 +5203,7 @@
         </p:spPr>
         <p:txBody>
           <a:bodyPr/>
+          <a:lstStyle/>
           <a:p>
             <a:endParaRPr lang="en-US" altLang="zh-CN">
               <a:sym typeface="+mn-ea"/>
@@ -5079,73 +5220,58 @@
               <a:rPr lang="en-US" altLang="zh-CN">
                 <a:sym typeface="+mn-ea"/>
               </a:rPr>
-              <a:t>broker + </a:t>
-            </a:r>
-            <a:r>
-              <a:rPr lang="en-US" altLang="zh-CN">
-                <a:sym typeface="+mn-ea"/>
-              </a:rPr>
-              <a:t>Round Robin MQFaultStrategy.selectOneMessageQueue</a:t>
-            </a:r>
+              <a:t>broker + Round Robin MQFaultStrategy.selectOneMessageQueue</a:t>
+            </a:r>
+          </a:p>
+          <a:p>
             <a:endParaRPr lang="en-US" altLang="zh-CN">
               <a:sym typeface="+mn-ea"/>
             </a:endParaRPr>
           </a:p>
           <a:p>
+            <a:r>
+              <a:rPr lang="en-US" altLang="zh-CN">
+                <a:sym typeface="+mn-ea"/>
+              </a:rPr>
+              <a:t>Math.abs()</a:t>
+            </a:r>
+            <a:r>
+              <a:rPr lang="zh-CN" altLang="en-US">
+                <a:sym typeface="+mn-ea"/>
+              </a:rPr>
+              <a:t>会返回负数吗？ThreadLocalIndex</a:t>
+            </a:r>
+            <a:r>
+              <a:rPr lang="en-US" altLang="zh-CN">
+                <a:sym typeface="+mn-ea"/>
+              </a:rPr>
+              <a:t>.getAndIncrement</a:t>
+            </a:r>
+          </a:p>
+          <a:p>
             <a:endParaRPr lang="en-US" altLang="zh-CN">
               <a:sym typeface="+mn-ea"/>
             </a:endParaRPr>
           </a:p>
           <a:p>
             <a:r>
+              <a:rPr lang="zh-CN" altLang="en-US">
+                <a:sym typeface="+mn-ea"/>
+              </a:rPr>
+              <a:t>有可能选不出</a:t>
+            </a:r>
+            <a:r>
               <a:rPr lang="en-US" altLang="zh-CN">
                 <a:sym typeface="+mn-ea"/>
               </a:rPr>
-              <a:t>Math.abs()</a:t>
+              <a:t>MQ</a:t>
             </a:r>
             <a:r>
               <a:rPr lang="zh-CN" altLang="en-US">
                 <a:sym typeface="+mn-ea"/>
               </a:rPr>
-              <a:t>会返回负数吗？ThreadLocalIndex</a:t>
-            </a:r>
-            <a:r>
-              <a:rPr lang="en-US" altLang="zh-CN">
-                <a:sym typeface="+mn-ea"/>
-              </a:rPr>
-              <a:t>.getAndIncrement</a:t>
-            </a:r>
-            <a:endParaRPr lang="en-US" altLang="zh-CN">
-              <a:sym typeface="+mn-ea"/>
-            </a:endParaRPr>
-          </a:p>
-          <a:p>
-            <a:endParaRPr lang="en-US" altLang="zh-CN">
-              <a:sym typeface="+mn-ea"/>
-            </a:endParaRPr>
-          </a:p>
-          <a:p>
-            <a:r>
-              <a:rPr lang="zh-CN" altLang="en-US">
-                <a:sym typeface="+mn-ea"/>
-              </a:rPr>
-              <a:t>有可能选不出</a:t>
-            </a:r>
-            <a:r>
-              <a:rPr lang="en-US" altLang="zh-CN">
-                <a:sym typeface="+mn-ea"/>
-              </a:rPr>
-              <a:t>MQ</a:t>
-            </a:r>
-            <a:r>
-              <a:rPr lang="zh-CN" altLang="en-US">
-                <a:sym typeface="+mn-ea"/>
-              </a:rPr>
               <a:t>吗？如何处理</a:t>
             </a:r>
-            <a:endParaRPr lang="zh-CN" altLang="en-US">
-              <a:sym typeface="+mn-ea"/>
-            </a:endParaRPr>
           </a:p>
         </p:txBody>
       </p:sp>
@@ -5154,23 +5280,30 @@
   <p:clrMapOvr>
     <a:masterClrMapping/>
   </p:clrMapOvr>
-  <mc:AlternateContent xmlns:mc="http://schemas.openxmlformats.org/markup-compatibility/2006">
-    <mc:Choice xmlns:p14="http://schemas.microsoft.com/office/powerpoint/2010/main" Requires="p14">
+  <mc:AlternateContent xmlns:mc="http://schemas.openxmlformats.org/markup-compatibility/2006" xmlns:p14="http://schemas.microsoft.com/office/powerpoint/2010/main">
+    <mc:Choice Requires="p14">
       <p:transition p14:dur="250">
         <p:fade/>
       </p:transition>
     </mc:Choice>
-    <mc:Fallback>
+    <mc:Fallback xmlns="">
       <p:transition>
         <p:fade/>
       </p:transition>
     </mc:Fallback>
   </mc:AlternateContent>
+  <p:timing>
+    <p:tnLst>
+      <p:par>
+        <p:cTn xmlns:p14="http://schemas.microsoft.com/office/powerpoint/2010/main" id="1" dur="indefinite" restart="never" nodeType="tmRoot"/>
+      </p:par>
+    </p:tnLst>
+  </p:timing>
 </p:sld>
 </file>
 
 <file path=ppt/tags/tag1.xml><?xml version="1.0" encoding="utf-8"?>
-<p:tagLst xmlns:p="http://schemas.openxmlformats.org/presentationml/2006/main">
+<p:tagLst xmlns:a="http://schemas.openxmlformats.org/drawingml/2006/main" xmlns:r="http://schemas.openxmlformats.org/officeDocument/2006/relationships" xmlns:p="http://schemas.openxmlformats.org/presentationml/2006/main">
   <p:tag name="KSO_WM_SLIDE_MODEL_TYPE" val="cover"/>
 </p:tagLst>
 </file>
@@ -5426,9 +5559,11 @@
       </a:bgFillStyleLst>
     </a:fmtScheme>
   </a:themeElements>
+  <a:objectDefaults/>
+  <a:extraClrSchemeLst/>
   <a:extLst>
     <a:ext uri="{05A4C25C-085E-4340-85A3-A5531E510DB2}">
-      <thm15:themeFamily xmlns:thm15="http://schemas.microsoft.com/office/thememl/2012/main" name="Office Theme" id="{62F939B6-93AF-4DB8-9C6B-D6C7DFDC589F}" vid="{4A3C46E8-61CC-4603-A589-7422A47A8E4A}"/>
+      <thm15:themeFamily xmlns:thm15="http://schemas.microsoft.com/office/thememl/2012/main" xmlns="" name="Office Theme" id="{62F939B6-93AF-4DB8-9C6B-D6C7DFDC589F}" vid="{4A3C46E8-61CC-4603-A589-7422A47A8E4A}"/>
     </a:ext>
   </a:extLst>
 </a:theme>
